--- a/Presentations/Python - Jupyter.pptx
+++ b/Presentations/Python - Jupyter.pptx
@@ -5,7 +5,7 @@
     <p:sldMasterId id="2147483648" r:id="rId1"/>
   </p:sldMasterIdLst>
   <p:notesMasterIdLst>
-    <p:notesMasterId r:id="rId8"/>
+    <p:notesMasterId r:id="rId11"/>
   </p:notesMasterIdLst>
   <p:sldIdLst>
     <p:sldId id="256" r:id="rId2"/>
@@ -14,6 +14,9 @@
     <p:sldId id="283" r:id="rId5"/>
     <p:sldId id="284" r:id="rId6"/>
     <p:sldId id="285" r:id="rId7"/>
+    <p:sldId id="286" r:id="rId8"/>
+    <p:sldId id="287" r:id="rId9"/>
+    <p:sldId id="288" r:id="rId10"/>
   </p:sldIdLst>
   <p:sldSz cx="9144000" cy="6858000" type="screen4x3"/>
   <p:notesSz cx="6858000" cy="9144000"/>
@@ -197,7 +200,7 @@
           <a:p>
             <a:fld id="{FAF957FC-5175-49AC-8D2B-2F056FFFC1DD}" type="datetimeFigureOut">
               <a:rPr lang="en-US" smtClean="0"/>
-              <a:t>7/18/2017</a:t>
+              <a:t>11/6/2017</a:t>
             </a:fld>
             <a:endParaRPr lang="en-US"/>
           </a:p>
@@ -647,7 +650,7 @@
             <a:fld id="{1D8BD707-D9CF-40AE-B4C6-C98DA3205C09}" type="datetimeFigureOut">
               <a:rPr lang="en-US" smtClean="0"/>
               <a:pPr/>
-              <a:t>7/18/2017</a:t>
+              <a:t>11/6/2017</a:t>
             </a:fld>
             <a:endParaRPr lang="en-US"/>
           </a:p>
@@ -814,7 +817,7 @@
             <a:fld id="{1D8BD707-D9CF-40AE-B4C6-C98DA3205C09}" type="datetimeFigureOut">
               <a:rPr lang="en-US" smtClean="0"/>
               <a:pPr/>
-              <a:t>7/18/2017</a:t>
+              <a:t>11/6/2017</a:t>
             </a:fld>
             <a:endParaRPr lang="en-US"/>
           </a:p>
@@ -991,7 +994,7 @@
             <a:fld id="{1D8BD707-D9CF-40AE-B4C6-C98DA3205C09}" type="datetimeFigureOut">
               <a:rPr lang="en-US" smtClean="0"/>
               <a:pPr/>
-              <a:t>7/18/2017</a:t>
+              <a:t>11/6/2017</a:t>
             </a:fld>
             <a:endParaRPr lang="en-US"/>
           </a:p>
@@ -1158,7 +1161,7 @@
             <a:fld id="{1D8BD707-D9CF-40AE-B4C6-C98DA3205C09}" type="datetimeFigureOut">
               <a:rPr lang="en-US" smtClean="0"/>
               <a:pPr/>
-              <a:t>7/18/2017</a:t>
+              <a:t>11/6/2017</a:t>
             </a:fld>
             <a:endParaRPr lang="en-US"/>
           </a:p>
@@ -1401,7 +1404,7 @@
             <a:fld id="{1D8BD707-D9CF-40AE-B4C6-C98DA3205C09}" type="datetimeFigureOut">
               <a:rPr lang="en-US" smtClean="0"/>
               <a:pPr/>
-              <a:t>7/18/2017</a:t>
+              <a:t>11/6/2017</a:t>
             </a:fld>
             <a:endParaRPr lang="en-US"/>
           </a:p>
@@ -1686,7 +1689,7 @@
             <a:fld id="{1D8BD707-D9CF-40AE-B4C6-C98DA3205C09}" type="datetimeFigureOut">
               <a:rPr lang="en-US" smtClean="0"/>
               <a:pPr/>
-              <a:t>7/18/2017</a:t>
+              <a:t>11/6/2017</a:t>
             </a:fld>
             <a:endParaRPr lang="en-US"/>
           </a:p>
@@ -2105,7 +2108,7 @@
             <a:fld id="{1D8BD707-D9CF-40AE-B4C6-C98DA3205C09}" type="datetimeFigureOut">
               <a:rPr lang="en-US" smtClean="0"/>
               <a:pPr/>
-              <a:t>7/18/2017</a:t>
+              <a:t>11/6/2017</a:t>
             </a:fld>
             <a:endParaRPr lang="en-US"/>
           </a:p>
@@ -2220,7 +2223,7 @@
             <a:fld id="{1D8BD707-D9CF-40AE-B4C6-C98DA3205C09}" type="datetimeFigureOut">
               <a:rPr lang="en-US" smtClean="0"/>
               <a:pPr/>
-              <a:t>7/18/2017</a:t>
+              <a:t>11/6/2017</a:t>
             </a:fld>
             <a:endParaRPr lang="en-US"/>
           </a:p>
@@ -2312,7 +2315,7 @@
             <a:fld id="{1D8BD707-D9CF-40AE-B4C6-C98DA3205C09}" type="datetimeFigureOut">
               <a:rPr lang="en-US" smtClean="0"/>
               <a:pPr/>
-              <a:t>7/18/2017</a:t>
+              <a:t>11/6/2017</a:t>
             </a:fld>
             <a:endParaRPr lang="en-US"/>
           </a:p>
@@ -2586,7 +2589,7 @@
             <a:fld id="{1D8BD707-D9CF-40AE-B4C6-C98DA3205C09}" type="datetimeFigureOut">
               <a:rPr lang="en-US" smtClean="0"/>
               <a:pPr/>
-              <a:t>7/18/2017</a:t>
+              <a:t>11/6/2017</a:t>
             </a:fld>
             <a:endParaRPr lang="en-US"/>
           </a:p>
@@ -2836,7 +2839,7 @@
             <a:fld id="{1D8BD707-D9CF-40AE-B4C6-C98DA3205C09}" type="datetimeFigureOut">
               <a:rPr lang="en-US" smtClean="0"/>
               <a:pPr/>
-              <a:t>7/18/2017</a:t>
+              <a:t>11/6/2017</a:t>
             </a:fld>
             <a:endParaRPr lang="en-US"/>
           </a:p>
@@ -3046,7 +3049,7 @@
             <a:fld id="{1D8BD707-D9CF-40AE-B4C6-C98DA3205C09}" type="datetimeFigureOut">
               <a:rPr lang="en-US" smtClean="0"/>
               <a:pPr/>
-              <a:t>7/18/2017</a:t>
+              <a:t>11/6/2017</a:t>
             </a:fld>
             <a:endParaRPr lang="en-US"/>
           </a:p>
@@ -3489,102 +3492,74 @@
                   </a:schemeClr>
                 </a:solidFill>
               </a:rPr>
-              <a:t>Portland Data Science </a:t>
-            </a:r>
-            <a:r>
-              <a:rPr lang="en-US" sz="2400" dirty="0">
+              <a:t>Artificial Intelligence Training</a:t>
+            </a:r>
+            <a:br>
+              <a:rPr lang="en-US" sz="2400" dirty="0" smtClean="0">
                 <a:solidFill>
                   <a:schemeClr val="accent1">
                     <a:lumMod val="75000"/>
                   </a:schemeClr>
                 </a:solidFill>
               </a:rPr>
-              <a:t>Group</a:t>
-            </a:r>
-            <a:r>
-              <a:rPr lang="en-US" sz="2400">
+            </a:br>
+            <a:r>
+              <a:rPr lang="en-US" sz="2400" dirty="0" smtClean="0">
                 <a:solidFill>
                   <a:schemeClr val="accent1">
                     <a:lumMod val="75000"/>
                   </a:schemeClr>
                 </a:solidFill>
               </a:rPr>
-              <a:t/>
-            </a:r>
-            <a:br>
-              <a:rPr lang="en-US" sz="2400">
+              <a:t>Created by Andrew </a:t>
+            </a:r>
+            <a:r>
+              <a:rPr lang="en-US" sz="2400" dirty="0" err="1" smtClean="0">
                 <a:solidFill>
                   <a:schemeClr val="accent1">
                     <a:lumMod val="75000"/>
                   </a:schemeClr>
                 </a:solidFill>
               </a:rPr>
-            </a:br>
-            <a:r>
-              <a:rPr lang="en-US" sz="2400" smtClean="0">
+              <a:t>Ferlitsch</a:t>
+            </a:r>
+            <a:r>
+              <a:rPr lang="en-US" sz="2400" dirty="0">
                 <a:solidFill>
                   <a:schemeClr val="accent1">
                     <a:lumMod val="75000"/>
                   </a:schemeClr>
                 </a:solidFill>
               </a:rPr>
-              <a:t>Created by Andrew </a:t>
-            </a:r>
-            <a:r>
-              <a:rPr lang="en-US" sz="2400" dirty="0" err="1" smtClean="0">
+              <a:t/>
+            </a:r>
+            <a:br>
+              <a:rPr lang="en-US" sz="2400" dirty="0">
                 <a:solidFill>
                   <a:schemeClr val="accent1">
                     <a:lumMod val="75000"/>
                   </a:schemeClr>
                 </a:solidFill>
               </a:rPr>
-              <a:t>Ferlitsch</a:t>
-            </a:r>
-            <a:r>
-              <a:rPr lang="en-US" sz="2400" dirty="0">
+            </a:br>
+            <a:r>
+              <a:rPr lang="en-US" sz="2400" dirty="0" smtClean="0">
                 <a:solidFill>
                   <a:schemeClr val="accent1">
                     <a:lumMod val="75000"/>
                   </a:schemeClr>
                 </a:solidFill>
               </a:rPr>
-              <a:t/>
+              <a:t>Instructor</a:t>
             </a:r>
             <a:br>
-              <a:rPr lang="en-US" sz="2400" dirty="0">
+              <a:rPr lang="en-US" sz="2400" dirty="0" smtClean="0">
                 <a:solidFill>
                   <a:schemeClr val="accent1">
                     <a:lumMod val="75000"/>
                   </a:schemeClr>
                 </a:solidFill>
               </a:rPr>
-            </a:br>
-            <a:r>
-              <a:rPr lang="en-US" sz="2400" dirty="0">
-                <a:solidFill>
-                  <a:schemeClr val="accent1">
-                    <a:lumMod val="75000"/>
-                  </a:schemeClr>
-                </a:solidFill>
-              </a:rPr>
-              <a:t>Community Outreach </a:t>
-            </a:r>
-            <a:r>
-              <a:rPr lang="en-US" sz="2400" dirty="0" smtClean="0">
-                <a:solidFill>
-                  <a:schemeClr val="accent1">
-                    <a:lumMod val="75000"/>
-                  </a:schemeClr>
-                </a:solidFill>
-              </a:rPr>
-              <a:t>Officer</a:t>
-            </a:r>
-            <a:r>
-              <a:rPr lang="en-US" sz="2400" dirty="0" smtClean="0"/>
-              <a:t/>
-            </a:r>
-            <a:br>
-              <a:rPr lang="en-US" sz="2400" dirty="0" smtClean="0"/>
             </a:br>
             <a:r>
               <a:rPr lang="en-US" sz="1800" dirty="0" smtClean="0"/>
@@ -6048,6 +6023,1184 @@
     <p:extLst>
       <p:ext uri="{BB962C8B-B14F-4D97-AF65-F5344CB8AC3E}">
         <p14:creationId xmlns:p14="http://schemas.microsoft.com/office/powerpoint/2010/main" val="2266229191"/>
+      </p:ext>
+    </p:extLst>
+  </p:cSld>
+  <p:clrMapOvr>
+    <a:masterClrMapping/>
+  </p:clrMapOvr>
+  <p:timing>
+    <p:tnLst>
+      <p:par>
+        <p:cTn id="1" dur="indefinite" restart="never" nodeType="tmRoot"/>
+      </p:par>
+    </p:tnLst>
+  </p:timing>
+</p:sld>
+</file>
+
+<file path=ppt/slides/slide7.xml><?xml version="1.0" encoding="utf-8"?>
+<p:sld xmlns:a="http://schemas.openxmlformats.org/drawingml/2006/main" xmlns:r="http://schemas.openxmlformats.org/officeDocument/2006/relationships" xmlns:p="http://schemas.openxmlformats.org/presentationml/2006/main">
+  <p:cSld>
+    <p:spTree>
+      <p:nvGrpSpPr>
+        <p:cNvPr id="1" name=""/>
+        <p:cNvGrpSpPr/>
+        <p:nvPr/>
+      </p:nvGrpSpPr>
+      <p:grpSpPr>
+        <a:xfrm>
+          <a:off x="0" y="0"/>
+          <a:ext cx="0" cy="0"/>
+          <a:chOff x="0" y="0"/>
+          <a:chExt cx="0" cy="0"/>
+        </a:xfrm>
+      </p:grpSpPr>
+      <p:sp>
+        <p:nvSpPr>
+          <p:cNvPr id="2" name="Title 1"/>
+          <p:cNvSpPr>
+            <a:spLocks noGrp="1"/>
+          </p:cNvSpPr>
+          <p:nvPr>
+            <p:ph type="title"/>
+          </p:nvPr>
+        </p:nvSpPr>
+        <p:spPr>
+          <a:xfrm>
+            <a:off x="457200" y="274638"/>
+            <a:ext cx="8305800" cy="792162"/>
+          </a:xfrm>
+        </p:spPr>
+        <p:txBody>
+          <a:bodyPr>
+            <a:normAutofit/>
+          </a:bodyPr>
+          <a:lstStyle/>
+          <a:p>
+            <a:pPr algn="l"/>
+            <a:r>
+              <a:rPr lang="en-US" dirty="0" smtClean="0">
+                <a:solidFill>
+                  <a:schemeClr val="accent1">
+                    <a:lumMod val="75000"/>
+                  </a:schemeClr>
+                </a:solidFill>
+              </a:rPr>
+              <a:t>Layout of the Notebook</a:t>
+            </a:r>
+            <a:endParaRPr lang="en-US" dirty="0">
+              <a:solidFill>
+                <a:schemeClr val="accent1">
+                  <a:lumMod val="75000"/>
+                </a:schemeClr>
+              </a:solidFill>
+            </a:endParaRPr>
+          </a:p>
+        </p:txBody>
+      </p:sp>
+      <p:cxnSp>
+        <p:nvCxnSpPr>
+          <p:cNvPr id="5" name="Straight Connector 4"/>
+          <p:cNvCxnSpPr/>
+          <p:nvPr/>
+        </p:nvCxnSpPr>
+        <p:spPr>
+          <a:xfrm>
+            <a:off x="0" y="990600"/>
+            <a:ext cx="9144000" cy="0"/>
+          </a:xfrm>
+          <a:prstGeom prst="line">
+            <a:avLst/>
+          </a:prstGeom>
+          <a:ln w="19050"/>
+        </p:spPr>
+        <p:style>
+          <a:lnRef idx="1">
+            <a:schemeClr val="accent1"/>
+          </a:lnRef>
+          <a:fillRef idx="0">
+            <a:schemeClr val="accent1"/>
+          </a:fillRef>
+          <a:effectRef idx="0">
+            <a:schemeClr val="accent1"/>
+          </a:effectRef>
+          <a:fontRef idx="minor">
+            <a:schemeClr val="tx1"/>
+          </a:fontRef>
+        </p:style>
+      </p:cxnSp>
+      <p:pic>
+        <p:nvPicPr>
+          <p:cNvPr id="1027" name="Picture 3"/>
+          <p:cNvPicPr>
+            <a:picLocks noChangeAspect="1" noChangeArrowheads="1"/>
+          </p:cNvPicPr>
+          <p:nvPr/>
+        </p:nvPicPr>
+        <p:blipFill>
+          <a:blip r:embed="rId2">
+            <a:extLst>
+              <a:ext uri="{28A0092B-C50C-407E-A947-70E740481C1C}">
+                <a14:useLocalDpi xmlns:a14="http://schemas.microsoft.com/office/drawing/2010/main" val="0"/>
+              </a:ext>
+            </a:extLst>
+          </a:blip>
+          <a:srcRect/>
+          <a:stretch>
+            <a:fillRect/>
+          </a:stretch>
+        </p:blipFill>
+        <p:spPr bwMode="auto">
+          <a:xfrm>
+            <a:off x="2698276" y="1128215"/>
+            <a:ext cx="5943600" cy="5465618"/>
+          </a:xfrm>
+          <a:prstGeom prst="rect">
+            <a:avLst/>
+          </a:prstGeom>
+          <a:noFill/>
+          <a:ln>
+            <a:noFill/>
+          </a:ln>
+          <a:extLst>
+            <a:ext uri="{909E8E84-426E-40DD-AFC4-6F175D3DCCD1}">
+              <a14:hiddenFill xmlns:a14="http://schemas.microsoft.com/office/drawing/2010/main">
+                <a:solidFill>
+                  <a:schemeClr val="accent1"/>
+                </a:solidFill>
+              </a14:hiddenFill>
+            </a:ext>
+            <a:ext uri="{91240B29-F687-4F45-9708-019B960494DF}">
+              <a14:hiddenLine xmlns:a14="http://schemas.microsoft.com/office/drawing/2010/main" w="9525">
+                <a:solidFill>
+                  <a:schemeClr val="tx1"/>
+                </a:solidFill>
+                <a:miter lim="800000"/>
+                <a:headEnd/>
+                <a:tailEnd/>
+              </a14:hiddenLine>
+            </a:ext>
+          </a:extLst>
+        </p:spPr>
+      </p:pic>
+      <p:sp>
+        <p:nvSpPr>
+          <p:cNvPr id="11" name="TextBox 10"/>
+          <p:cNvSpPr txBox="1"/>
+          <p:nvPr/>
+        </p:nvSpPr>
+        <p:spPr>
+          <a:xfrm>
+            <a:off x="152400" y="3048000"/>
+            <a:ext cx="1930850" cy="738664"/>
+          </a:xfrm>
+          <a:prstGeom prst="rect">
+            <a:avLst/>
+          </a:prstGeom>
+          <a:noFill/>
+        </p:spPr>
+        <p:txBody>
+          <a:bodyPr wrap="none" rtlCol="0">
+            <a:spAutoFit/>
+          </a:bodyPr>
+          <a:lstStyle/>
+          <a:p>
+            <a:r>
+              <a:rPr lang="en-US" sz="1400" b="1" dirty="0" smtClean="0">
+                <a:solidFill>
+                  <a:schemeClr val="accent6">
+                    <a:lumMod val="75000"/>
+                  </a:schemeClr>
+                </a:solidFill>
+              </a:rPr>
+              <a:t>Input Cell</a:t>
+            </a:r>
+            <a:r>
+              <a:rPr lang="en-US" sz="1400" b="1" dirty="0" smtClean="0"/>
+              <a:t>: You can type</a:t>
+            </a:r>
+          </a:p>
+          <a:p>
+            <a:r>
+              <a:rPr lang="en-US" sz="1400" b="1" dirty="0" smtClean="0"/>
+              <a:t>Python code here.</a:t>
+            </a:r>
+          </a:p>
+          <a:p>
+            <a:endParaRPr lang="en-US" sz="1400" b="1" dirty="0"/>
+          </a:p>
+        </p:txBody>
+      </p:sp>
+      <p:cxnSp>
+        <p:nvCxnSpPr>
+          <p:cNvPr id="6" name="Straight Arrow Connector 5"/>
+          <p:cNvCxnSpPr/>
+          <p:nvPr/>
+        </p:nvCxnSpPr>
+        <p:spPr>
+          <a:xfrm>
+            <a:off x="1828800" y="3350426"/>
+            <a:ext cx="1981200" cy="533400"/>
+          </a:xfrm>
+          <a:prstGeom prst="straightConnector1">
+            <a:avLst/>
+          </a:prstGeom>
+          <a:ln>
+            <a:solidFill>
+              <a:schemeClr val="tx1"/>
+            </a:solidFill>
+            <a:tailEnd type="arrow"/>
+          </a:ln>
+        </p:spPr>
+        <p:style>
+          <a:lnRef idx="1">
+            <a:schemeClr val="accent1"/>
+          </a:lnRef>
+          <a:fillRef idx="0">
+            <a:schemeClr val="accent1"/>
+          </a:fillRef>
+          <a:effectRef idx="0">
+            <a:schemeClr val="accent1"/>
+          </a:effectRef>
+          <a:fontRef idx="minor">
+            <a:schemeClr val="tx1"/>
+          </a:fontRef>
+        </p:style>
+      </p:cxnSp>
+      <p:sp>
+        <p:nvSpPr>
+          <p:cNvPr id="14" name="TextBox 13"/>
+          <p:cNvSpPr txBox="1"/>
+          <p:nvPr/>
+        </p:nvSpPr>
+        <p:spPr>
+          <a:xfrm>
+            <a:off x="152400" y="1905000"/>
+            <a:ext cx="1947649" cy="523220"/>
+          </a:xfrm>
+          <a:prstGeom prst="rect">
+            <a:avLst/>
+          </a:prstGeom>
+          <a:noFill/>
+        </p:spPr>
+        <p:txBody>
+          <a:bodyPr wrap="none" rtlCol="0">
+            <a:spAutoFit/>
+          </a:bodyPr>
+          <a:lstStyle/>
+          <a:p>
+            <a:r>
+              <a:rPr lang="en-US" sz="1400" b="1" dirty="0" smtClean="0">
+                <a:solidFill>
+                  <a:schemeClr val="accent6">
+                    <a:lumMod val="75000"/>
+                  </a:schemeClr>
+                </a:solidFill>
+              </a:rPr>
+              <a:t>Run</a:t>
+            </a:r>
+            <a:r>
+              <a:rPr lang="en-US" sz="1400" b="1" dirty="0" smtClean="0"/>
+              <a:t> button will execute</a:t>
+            </a:r>
+          </a:p>
+          <a:p>
+            <a:r>
+              <a:rPr lang="en-US" sz="1400" b="1" dirty="0" smtClean="0"/>
+              <a:t>An input cell.</a:t>
+            </a:r>
+            <a:endParaRPr lang="en-US" sz="1400" b="1" dirty="0"/>
+          </a:p>
+        </p:txBody>
+      </p:sp>
+      <p:cxnSp>
+        <p:nvCxnSpPr>
+          <p:cNvPr id="15" name="Straight Arrow Connector 14"/>
+          <p:cNvCxnSpPr/>
+          <p:nvPr/>
+        </p:nvCxnSpPr>
+        <p:spPr>
+          <a:xfrm>
+            <a:off x="1977788" y="2166610"/>
+            <a:ext cx="3280012" cy="881390"/>
+          </a:xfrm>
+          <a:prstGeom prst="straightConnector1">
+            <a:avLst/>
+          </a:prstGeom>
+          <a:ln>
+            <a:solidFill>
+              <a:schemeClr val="tx1"/>
+            </a:solidFill>
+            <a:tailEnd type="arrow"/>
+          </a:ln>
+        </p:spPr>
+        <p:style>
+          <a:lnRef idx="1">
+            <a:schemeClr val="accent1"/>
+          </a:lnRef>
+          <a:fillRef idx="0">
+            <a:schemeClr val="accent1"/>
+          </a:fillRef>
+          <a:effectRef idx="0">
+            <a:schemeClr val="accent1"/>
+          </a:effectRef>
+          <a:fontRef idx="minor">
+            <a:schemeClr val="tx1"/>
+          </a:fontRef>
+        </p:style>
+      </p:cxnSp>
+      <p:sp>
+        <p:nvSpPr>
+          <p:cNvPr id="18" name="TextBox 17"/>
+          <p:cNvSpPr txBox="1"/>
+          <p:nvPr/>
+        </p:nvSpPr>
+        <p:spPr>
+          <a:xfrm>
+            <a:off x="152400" y="4114800"/>
+            <a:ext cx="2492990" cy="1384995"/>
+          </a:xfrm>
+          <a:prstGeom prst="rect">
+            <a:avLst/>
+          </a:prstGeom>
+          <a:noFill/>
+        </p:spPr>
+        <p:txBody>
+          <a:bodyPr wrap="none" rtlCol="0">
+            <a:spAutoFit/>
+          </a:bodyPr>
+          <a:lstStyle/>
+          <a:p>
+            <a:r>
+              <a:rPr lang="en-US" sz="1400" b="1" dirty="0" smtClean="0">
+                <a:solidFill>
+                  <a:schemeClr val="accent6">
+                    <a:lumMod val="75000"/>
+                  </a:schemeClr>
+                </a:solidFill>
+              </a:rPr>
+              <a:t>Output Cell</a:t>
+            </a:r>
+            <a:r>
+              <a:rPr lang="en-US" sz="1400" b="1" dirty="0" smtClean="0"/>
+              <a:t>: Displays the result</a:t>
+            </a:r>
+          </a:p>
+          <a:p>
+            <a:r>
+              <a:rPr lang="en-US" sz="1400" b="1" dirty="0" smtClean="0"/>
+              <a:t>of executing corresponding</a:t>
+            </a:r>
+          </a:p>
+          <a:p>
+            <a:r>
+              <a:rPr lang="en-US" sz="1400" b="1" dirty="0" smtClean="0"/>
+              <a:t>Input cell.</a:t>
+            </a:r>
+          </a:p>
+          <a:p>
+            <a:endParaRPr lang="en-US" sz="1400" b="1" dirty="0"/>
+          </a:p>
+          <a:p>
+            <a:r>
+              <a:rPr lang="en-US" sz="1400" b="1" dirty="0"/>
+              <a:t>Execution state is retained</a:t>
+            </a:r>
+          </a:p>
+          <a:p>
+            <a:r>
+              <a:rPr lang="en-US" sz="1400" b="1" dirty="0"/>
+              <a:t>across cells</a:t>
+            </a:r>
+            <a:r>
+              <a:rPr lang="en-US" sz="1400" b="1" dirty="0" smtClean="0"/>
+              <a:t>.</a:t>
+            </a:r>
+            <a:endParaRPr lang="en-US" sz="1400" b="1" dirty="0"/>
+          </a:p>
+        </p:txBody>
+      </p:sp>
+      <p:cxnSp>
+        <p:nvCxnSpPr>
+          <p:cNvPr id="19" name="Straight Arrow Connector 18"/>
+          <p:cNvCxnSpPr/>
+          <p:nvPr/>
+        </p:nvCxnSpPr>
+        <p:spPr>
+          <a:xfrm>
+            <a:off x="1393208" y="4656161"/>
+            <a:ext cx="1730992" cy="0"/>
+          </a:xfrm>
+          <a:prstGeom prst="straightConnector1">
+            <a:avLst/>
+          </a:prstGeom>
+          <a:ln>
+            <a:solidFill>
+              <a:schemeClr val="tx1"/>
+            </a:solidFill>
+            <a:tailEnd type="arrow"/>
+          </a:ln>
+        </p:spPr>
+        <p:style>
+          <a:lnRef idx="1">
+            <a:schemeClr val="accent1"/>
+          </a:lnRef>
+          <a:fillRef idx="0">
+            <a:schemeClr val="accent1"/>
+          </a:fillRef>
+          <a:effectRef idx="0">
+            <a:schemeClr val="accent1"/>
+          </a:effectRef>
+          <a:fontRef idx="minor">
+            <a:schemeClr val="tx1"/>
+          </a:fontRef>
+        </p:style>
+      </p:cxnSp>
+      <p:sp>
+        <p:nvSpPr>
+          <p:cNvPr id="21" name="TextBox 20"/>
+          <p:cNvSpPr txBox="1"/>
+          <p:nvPr/>
+        </p:nvSpPr>
+        <p:spPr>
+          <a:xfrm>
+            <a:off x="190808" y="5715000"/>
+            <a:ext cx="2491003" cy="523220"/>
+          </a:xfrm>
+          <a:prstGeom prst="rect">
+            <a:avLst/>
+          </a:prstGeom>
+          <a:noFill/>
+        </p:spPr>
+        <p:txBody>
+          <a:bodyPr wrap="none" rtlCol="0">
+            <a:spAutoFit/>
+          </a:bodyPr>
+          <a:lstStyle/>
+          <a:p>
+            <a:r>
+              <a:rPr lang="en-US" sz="1400" b="1" dirty="0" smtClean="0"/>
+              <a:t>Next (green) unexecuted input </a:t>
+            </a:r>
+            <a:br>
+              <a:rPr lang="en-US" sz="1400" b="1" dirty="0" smtClean="0"/>
+            </a:br>
+            <a:r>
+              <a:rPr lang="en-US" sz="1400" b="1" dirty="0" smtClean="0"/>
+              <a:t>cell</a:t>
+            </a:r>
+            <a:r>
+              <a:rPr lang="en-US" sz="1400" b="1" dirty="0" smtClean="0"/>
+              <a:t>.</a:t>
+            </a:r>
+          </a:p>
+        </p:txBody>
+      </p:sp>
+      <p:cxnSp>
+        <p:nvCxnSpPr>
+          <p:cNvPr id="22" name="Straight Arrow Connector 21"/>
+          <p:cNvCxnSpPr>
+            <a:stCxn id="21" idx="0"/>
+          </p:cNvCxnSpPr>
+          <p:nvPr/>
+        </p:nvCxnSpPr>
+        <p:spPr>
+          <a:xfrm flipV="1">
+            <a:off x="1436310" y="5181600"/>
+            <a:ext cx="1593493" cy="533400"/>
+          </a:xfrm>
+          <a:prstGeom prst="straightConnector1">
+            <a:avLst/>
+          </a:prstGeom>
+          <a:ln>
+            <a:solidFill>
+              <a:schemeClr val="tx1"/>
+            </a:solidFill>
+            <a:tailEnd type="arrow"/>
+          </a:ln>
+        </p:spPr>
+        <p:style>
+          <a:lnRef idx="1">
+            <a:schemeClr val="accent1"/>
+          </a:lnRef>
+          <a:fillRef idx="0">
+            <a:schemeClr val="accent1"/>
+          </a:fillRef>
+          <a:effectRef idx="0">
+            <a:schemeClr val="accent1"/>
+          </a:effectRef>
+          <a:fontRef idx="minor">
+            <a:schemeClr val="tx1"/>
+          </a:fontRef>
+        </p:style>
+      </p:cxnSp>
+    </p:spTree>
+    <p:extLst>
+      <p:ext uri="{BB962C8B-B14F-4D97-AF65-F5344CB8AC3E}">
+        <p14:creationId xmlns:p14="http://schemas.microsoft.com/office/powerpoint/2010/main" val="620417061"/>
+      </p:ext>
+    </p:extLst>
+  </p:cSld>
+  <p:clrMapOvr>
+    <a:masterClrMapping/>
+  </p:clrMapOvr>
+  <p:timing>
+    <p:tnLst>
+      <p:par>
+        <p:cTn id="1" dur="indefinite" restart="never" nodeType="tmRoot"/>
+      </p:par>
+    </p:tnLst>
+  </p:timing>
+</p:sld>
+</file>
+
+<file path=ppt/slides/slide8.xml><?xml version="1.0" encoding="utf-8"?>
+<p:sld xmlns:a="http://schemas.openxmlformats.org/drawingml/2006/main" xmlns:r="http://schemas.openxmlformats.org/officeDocument/2006/relationships" xmlns:p="http://schemas.openxmlformats.org/presentationml/2006/main">
+  <p:cSld>
+    <p:spTree>
+      <p:nvGrpSpPr>
+        <p:cNvPr id="1" name=""/>
+        <p:cNvGrpSpPr/>
+        <p:nvPr/>
+      </p:nvGrpSpPr>
+      <p:grpSpPr>
+        <a:xfrm>
+          <a:off x="0" y="0"/>
+          <a:ext cx="0" cy="0"/>
+          <a:chOff x="0" y="0"/>
+          <a:chExt cx="0" cy="0"/>
+        </a:xfrm>
+      </p:grpSpPr>
+      <p:sp>
+        <p:nvSpPr>
+          <p:cNvPr id="2" name="Title 1"/>
+          <p:cNvSpPr>
+            <a:spLocks noGrp="1"/>
+          </p:cNvSpPr>
+          <p:nvPr>
+            <p:ph type="title"/>
+          </p:nvPr>
+        </p:nvSpPr>
+        <p:spPr>
+          <a:xfrm>
+            <a:off x="457200" y="274638"/>
+            <a:ext cx="8305800" cy="792162"/>
+          </a:xfrm>
+        </p:spPr>
+        <p:txBody>
+          <a:bodyPr>
+            <a:normAutofit fontScale="90000"/>
+          </a:bodyPr>
+          <a:lstStyle/>
+          <a:p>
+            <a:pPr algn="l"/>
+            <a:r>
+              <a:rPr lang="en-US" dirty="0" smtClean="0">
+                <a:solidFill>
+                  <a:schemeClr val="accent1">
+                    <a:lumMod val="75000"/>
+                  </a:schemeClr>
+                </a:solidFill>
+              </a:rPr>
+              <a:t>Autocomplete – Methods/Properties</a:t>
+            </a:r>
+            <a:endParaRPr lang="en-US" dirty="0">
+              <a:solidFill>
+                <a:schemeClr val="accent1">
+                  <a:lumMod val="75000"/>
+                </a:schemeClr>
+              </a:solidFill>
+            </a:endParaRPr>
+          </a:p>
+        </p:txBody>
+      </p:sp>
+      <p:cxnSp>
+        <p:nvCxnSpPr>
+          <p:cNvPr id="5" name="Straight Connector 4"/>
+          <p:cNvCxnSpPr/>
+          <p:nvPr/>
+        </p:nvCxnSpPr>
+        <p:spPr>
+          <a:xfrm>
+            <a:off x="0" y="990600"/>
+            <a:ext cx="9144000" cy="0"/>
+          </a:xfrm>
+          <a:prstGeom prst="line">
+            <a:avLst/>
+          </a:prstGeom>
+          <a:ln w="19050"/>
+        </p:spPr>
+        <p:style>
+          <a:lnRef idx="1">
+            <a:schemeClr val="accent1"/>
+          </a:lnRef>
+          <a:fillRef idx="0">
+            <a:schemeClr val="accent1"/>
+          </a:fillRef>
+          <a:effectRef idx="0">
+            <a:schemeClr val="accent1"/>
+          </a:effectRef>
+          <a:fontRef idx="minor">
+            <a:schemeClr val="tx1"/>
+          </a:fontRef>
+        </p:style>
+      </p:cxnSp>
+      <p:pic>
+        <p:nvPicPr>
+          <p:cNvPr id="2050" name="Picture 2"/>
+          <p:cNvPicPr>
+            <a:picLocks noChangeAspect="1" noChangeArrowheads="1"/>
+          </p:cNvPicPr>
+          <p:nvPr/>
+        </p:nvPicPr>
+        <p:blipFill>
+          <a:blip r:embed="rId2">
+            <a:extLst>
+              <a:ext uri="{28A0092B-C50C-407E-A947-70E740481C1C}">
+                <a14:useLocalDpi xmlns:a14="http://schemas.microsoft.com/office/drawing/2010/main" val="0"/>
+              </a:ext>
+            </a:extLst>
+          </a:blip>
+          <a:srcRect/>
+          <a:stretch>
+            <a:fillRect/>
+          </a:stretch>
+        </p:blipFill>
+        <p:spPr bwMode="auto">
+          <a:xfrm>
+            <a:off x="3048000" y="1274928"/>
+            <a:ext cx="5448300" cy="5010150"/>
+          </a:xfrm>
+          <a:prstGeom prst="rect">
+            <a:avLst/>
+          </a:prstGeom>
+          <a:noFill/>
+          <a:ln>
+            <a:noFill/>
+          </a:ln>
+          <a:extLst>
+            <a:ext uri="{909E8E84-426E-40DD-AFC4-6F175D3DCCD1}">
+              <a14:hiddenFill xmlns:a14="http://schemas.microsoft.com/office/drawing/2010/main">
+                <a:solidFill>
+                  <a:schemeClr val="accent1"/>
+                </a:solidFill>
+              </a14:hiddenFill>
+            </a:ext>
+            <a:ext uri="{91240B29-F687-4F45-9708-019B960494DF}">
+              <a14:hiddenLine xmlns:a14="http://schemas.microsoft.com/office/drawing/2010/main" w="9525">
+                <a:solidFill>
+                  <a:schemeClr val="tx1"/>
+                </a:solidFill>
+                <a:miter lim="800000"/>
+                <a:headEnd/>
+                <a:tailEnd/>
+              </a14:hiddenLine>
+            </a:ext>
+          </a:extLst>
+        </p:spPr>
+      </p:pic>
+      <p:sp>
+        <p:nvSpPr>
+          <p:cNvPr id="16" name="TextBox 15"/>
+          <p:cNvSpPr txBox="1"/>
+          <p:nvPr/>
+        </p:nvSpPr>
+        <p:spPr>
+          <a:xfrm>
+            <a:off x="190808" y="1676400"/>
+            <a:ext cx="2861232" cy="2031325"/>
+          </a:xfrm>
+          <a:prstGeom prst="rect">
+            <a:avLst/>
+          </a:prstGeom>
+          <a:noFill/>
+        </p:spPr>
+        <p:txBody>
+          <a:bodyPr wrap="none" rtlCol="0">
+            <a:spAutoFit/>
+          </a:bodyPr>
+          <a:lstStyle/>
+          <a:p>
+            <a:r>
+              <a:rPr lang="en-US" sz="1400" b="1" dirty="0" smtClean="0"/>
+              <a:t>Use the tab key for </a:t>
+            </a:r>
+            <a:r>
+              <a:rPr lang="en-US" sz="1400" b="1" dirty="0" err="1" smtClean="0"/>
+              <a:t>autocompletion</a:t>
+            </a:r>
+            <a:r>
+              <a:rPr lang="en-US" sz="1400" b="1" dirty="0" smtClean="0"/>
+              <a:t>.</a:t>
+            </a:r>
+          </a:p>
+          <a:p>
+            <a:endParaRPr lang="en-US" sz="1400" b="1" dirty="0"/>
+          </a:p>
+          <a:p>
+            <a:r>
+              <a:rPr lang="en-US" sz="1400" b="1" dirty="0" smtClean="0"/>
+              <a:t>Ex. – b is defined as a string.</a:t>
+            </a:r>
+          </a:p>
+          <a:p>
+            <a:endParaRPr lang="en-US" sz="1400" b="1" dirty="0"/>
+          </a:p>
+          <a:p>
+            <a:r>
+              <a:rPr lang="en-US" sz="1400" b="1" dirty="0" smtClean="0"/>
+              <a:t>Select a ‘.’ after b to specify a </a:t>
+            </a:r>
+          </a:p>
+          <a:p>
+            <a:r>
+              <a:rPr lang="en-US" sz="1400" b="1" dirty="0" smtClean="0"/>
+              <a:t>method.</a:t>
+            </a:r>
+          </a:p>
+          <a:p>
+            <a:endParaRPr lang="en-US" sz="1400" b="1" dirty="0"/>
+          </a:p>
+          <a:p>
+            <a:r>
+              <a:rPr lang="en-US" sz="1400" b="1" dirty="0" smtClean="0"/>
+              <a:t>Select tab after the ‘.’ and a list of</a:t>
+            </a:r>
+          </a:p>
+          <a:p>
+            <a:r>
+              <a:rPr lang="en-US" sz="1400" b="1" dirty="0" smtClean="0"/>
+              <a:t>methods for strings will appear.</a:t>
+            </a:r>
+          </a:p>
+        </p:txBody>
+      </p:sp>
+      <p:cxnSp>
+        <p:nvCxnSpPr>
+          <p:cNvPr id="17" name="Straight Arrow Connector 16"/>
+          <p:cNvCxnSpPr/>
+          <p:nvPr/>
+        </p:nvCxnSpPr>
+        <p:spPr>
+          <a:xfrm>
+            <a:off x="2514600" y="1964160"/>
+            <a:ext cx="1600200" cy="2836440"/>
+          </a:xfrm>
+          <a:prstGeom prst="straightConnector1">
+            <a:avLst/>
+          </a:prstGeom>
+          <a:ln w="19050">
+            <a:solidFill>
+              <a:schemeClr val="tx1"/>
+            </a:solidFill>
+            <a:tailEnd type="arrow"/>
+          </a:ln>
+        </p:spPr>
+        <p:style>
+          <a:lnRef idx="1">
+            <a:schemeClr val="accent1"/>
+          </a:lnRef>
+          <a:fillRef idx="0">
+            <a:schemeClr val="accent1"/>
+          </a:fillRef>
+          <a:effectRef idx="0">
+            <a:schemeClr val="accent1"/>
+          </a:effectRef>
+          <a:fontRef idx="minor">
+            <a:schemeClr val="tx1"/>
+          </a:fontRef>
+        </p:style>
+      </p:cxnSp>
+    </p:spTree>
+    <p:extLst>
+      <p:ext uri="{BB962C8B-B14F-4D97-AF65-F5344CB8AC3E}">
+        <p14:creationId xmlns:p14="http://schemas.microsoft.com/office/powerpoint/2010/main" val="597918497"/>
+      </p:ext>
+    </p:extLst>
+  </p:cSld>
+  <p:clrMapOvr>
+    <a:masterClrMapping/>
+  </p:clrMapOvr>
+  <p:timing>
+    <p:tnLst>
+      <p:par>
+        <p:cTn id="1" dur="indefinite" restart="never" nodeType="tmRoot"/>
+      </p:par>
+    </p:tnLst>
+  </p:timing>
+</p:sld>
+</file>
+
+<file path=ppt/slides/slide9.xml><?xml version="1.0" encoding="utf-8"?>
+<p:sld xmlns:a="http://schemas.openxmlformats.org/drawingml/2006/main" xmlns:r="http://schemas.openxmlformats.org/officeDocument/2006/relationships" xmlns:p="http://schemas.openxmlformats.org/presentationml/2006/main">
+  <p:cSld>
+    <p:spTree>
+      <p:nvGrpSpPr>
+        <p:cNvPr id="1" name=""/>
+        <p:cNvGrpSpPr/>
+        <p:nvPr/>
+      </p:nvGrpSpPr>
+      <p:grpSpPr>
+        <a:xfrm>
+          <a:off x="0" y="0"/>
+          <a:ext cx="0" cy="0"/>
+          <a:chOff x="0" y="0"/>
+          <a:chExt cx="0" cy="0"/>
+        </a:xfrm>
+      </p:grpSpPr>
+      <p:sp>
+        <p:nvSpPr>
+          <p:cNvPr id="2" name="Title 1"/>
+          <p:cNvSpPr>
+            <a:spLocks noGrp="1"/>
+          </p:cNvSpPr>
+          <p:nvPr>
+            <p:ph type="title"/>
+          </p:nvPr>
+        </p:nvSpPr>
+        <p:spPr>
+          <a:xfrm>
+            <a:off x="457200" y="274638"/>
+            <a:ext cx="8305800" cy="792162"/>
+          </a:xfrm>
+        </p:spPr>
+        <p:txBody>
+          <a:bodyPr>
+            <a:normAutofit/>
+          </a:bodyPr>
+          <a:lstStyle/>
+          <a:p>
+            <a:pPr algn="l"/>
+            <a:r>
+              <a:rPr lang="en-US" dirty="0" smtClean="0">
+                <a:solidFill>
+                  <a:schemeClr val="accent1">
+                    <a:lumMod val="75000"/>
+                  </a:schemeClr>
+                </a:solidFill>
+              </a:rPr>
+              <a:t>Markdown Cells </a:t>
+            </a:r>
+            <a:r>
+              <a:rPr lang="en-US" smtClean="0">
+                <a:solidFill>
+                  <a:schemeClr val="accent1">
+                    <a:lumMod val="75000"/>
+                  </a:schemeClr>
+                </a:solidFill>
+              </a:rPr>
+              <a:t>- Documentation</a:t>
+            </a:r>
+            <a:endParaRPr lang="en-US" dirty="0">
+              <a:solidFill>
+                <a:schemeClr val="accent1">
+                  <a:lumMod val="75000"/>
+                </a:schemeClr>
+              </a:solidFill>
+            </a:endParaRPr>
+          </a:p>
+        </p:txBody>
+      </p:sp>
+      <p:cxnSp>
+        <p:nvCxnSpPr>
+          <p:cNvPr id="5" name="Straight Connector 4"/>
+          <p:cNvCxnSpPr/>
+          <p:nvPr/>
+        </p:nvCxnSpPr>
+        <p:spPr>
+          <a:xfrm>
+            <a:off x="0" y="990600"/>
+            <a:ext cx="9144000" cy="0"/>
+          </a:xfrm>
+          <a:prstGeom prst="line">
+            <a:avLst/>
+          </a:prstGeom>
+          <a:ln w="19050"/>
+        </p:spPr>
+        <p:style>
+          <a:lnRef idx="1">
+            <a:schemeClr val="accent1"/>
+          </a:lnRef>
+          <a:fillRef idx="0">
+            <a:schemeClr val="accent1"/>
+          </a:fillRef>
+          <a:effectRef idx="0">
+            <a:schemeClr val="accent1"/>
+          </a:effectRef>
+          <a:fontRef idx="minor">
+            <a:schemeClr val="tx1"/>
+          </a:fontRef>
+        </p:style>
+      </p:cxnSp>
+      <p:sp>
+        <p:nvSpPr>
+          <p:cNvPr id="16" name="TextBox 15"/>
+          <p:cNvSpPr txBox="1"/>
+          <p:nvPr/>
+        </p:nvSpPr>
+        <p:spPr>
+          <a:xfrm>
+            <a:off x="190807" y="1243238"/>
+            <a:ext cx="8509509" cy="861774"/>
+          </a:xfrm>
+          <a:prstGeom prst="rect">
+            <a:avLst/>
+          </a:prstGeom>
+          <a:noFill/>
+        </p:spPr>
+        <p:txBody>
+          <a:bodyPr wrap="none" rtlCol="0">
+            <a:spAutoFit/>
+          </a:bodyPr>
+          <a:lstStyle/>
+          <a:p>
+            <a:r>
+              <a:rPr lang="en-US" b="1" dirty="0">
+                <a:solidFill>
+                  <a:schemeClr val="accent5">
+                    <a:lumMod val="75000"/>
+                  </a:schemeClr>
+                </a:solidFill>
+              </a:rPr>
+              <a:t>Text can be added to </a:t>
+            </a:r>
+            <a:r>
+              <a:rPr lang="en-US" b="1" dirty="0" err="1">
+                <a:solidFill>
+                  <a:schemeClr val="accent5">
+                    <a:lumMod val="75000"/>
+                  </a:schemeClr>
+                </a:solidFill>
+              </a:rPr>
+              <a:t>Jupyter</a:t>
+            </a:r>
+            <a:r>
+              <a:rPr lang="en-US" b="1" dirty="0">
+                <a:solidFill>
+                  <a:schemeClr val="accent5">
+                    <a:lumMod val="75000"/>
+                  </a:schemeClr>
+                </a:solidFill>
+              </a:rPr>
+              <a:t> Notebooks using Markdown cells. Markdown is a popular </a:t>
+            </a:r>
+            <a:r>
+              <a:rPr lang="en-US" b="1" dirty="0" smtClean="0">
+                <a:solidFill>
+                  <a:schemeClr val="accent5">
+                    <a:lumMod val="75000"/>
+                  </a:schemeClr>
+                </a:solidFill>
+              </a:rPr>
+              <a:t/>
+            </a:r>
+            <a:br>
+              <a:rPr lang="en-US" b="1" dirty="0" smtClean="0">
+                <a:solidFill>
+                  <a:schemeClr val="accent5">
+                    <a:lumMod val="75000"/>
+                  </a:schemeClr>
+                </a:solidFill>
+              </a:rPr>
+            </a:br>
+            <a:r>
+              <a:rPr lang="en-US" b="1" dirty="0" smtClean="0">
+                <a:solidFill>
+                  <a:schemeClr val="accent5">
+                    <a:lumMod val="75000"/>
+                  </a:schemeClr>
+                </a:solidFill>
+              </a:rPr>
+              <a:t>markup </a:t>
+            </a:r>
+            <a:r>
+              <a:rPr lang="en-US" b="1" dirty="0">
+                <a:solidFill>
+                  <a:schemeClr val="accent5">
+                    <a:lumMod val="75000"/>
+                  </a:schemeClr>
+                </a:solidFill>
+              </a:rPr>
+              <a:t>language that is a superset of HTML. Its specification can be found here:</a:t>
+            </a:r>
+          </a:p>
+          <a:p>
+            <a:r>
+              <a:rPr lang="en-US" sz="1400" dirty="0">
+                <a:hlinkClick r:id="rId2"/>
+              </a:rPr>
+              <a:t>https://daringfireball.net/projects/markdown/</a:t>
+            </a:r>
+            <a:endParaRPr lang="en-US" sz="1400" dirty="0"/>
+          </a:p>
+        </p:txBody>
+      </p:sp>
+      <p:pic>
+        <p:nvPicPr>
+          <p:cNvPr id="3076" name="Picture 4"/>
+          <p:cNvPicPr>
+            <a:picLocks noChangeAspect="1" noChangeArrowheads="1"/>
+          </p:cNvPicPr>
+          <p:nvPr/>
+        </p:nvPicPr>
+        <p:blipFill>
+          <a:blip r:embed="rId3">
+            <a:extLst>
+              <a:ext uri="{28A0092B-C50C-407E-A947-70E740481C1C}">
+                <a14:useLocalDpi xmlns:a14="http://schemas.microsoft.com/office/drawing/2010/main" val="0"/>
+              </a:ext>
+            </a:extLst>
+          </a:blip>
+          <a:srcRect/>
+          <a:stretch>
+            <a:fillRect/>
+          </a:stretch>
+        </p:blipFill>
+        <p:spPr bwMode="auto">
+          <a:xfrm>
+            <a:off x="3124200" y="2105012"/>
+            <a:ext cx="5276850" cy="4543425"/>
+          </a:xfrm>
+          <a:prstGeom prst="rect">
+            <a:avLst/>
+          </a:prstGeom>
+          <a:noFill/>
+          <a:ln>
+            <a:noFill/>
+          </a:ln>
+          <a:extLst>
+            <a:ext uri="{909E8E84-426E-40DD-AFC4-6F175D3DCCD1}">
+              <a14:hiddenFill xmlns:a14="http://schemas.microsoft.com/office/drawing/2010/main">
+                <a:solidFill>
+                  <a:schemeClr val="accent1"/>
+                </a:solidFill>
+              </a14:hiddenFill>
+            </a:ext>
+            <a:ext uri="{91240B29-F687-4F45-9708-019B960494DF}">
+              <a14:hiddenLine xmlns:a14="http://schemas.microsoft.com/office/drawing/2010/main" w="9525">
+                <a:solidFill>
+                  <a:schemeClr val="tx1"/>
+                </a:solidFill>
+                <a:miter lim="800000"/>
+                <a:headEnd/>
+                <a:tailEnd/>
+              </a14:hiddenLine>
+            </a:ext>
+          </a:extLst>
+        </p:spPr>
+      </p:pic>
+      <p:sp>
+        <p:nvSpPr>
+          <p:cNvPr id="11" name="TextBox 10"/>
+          <p:cNvSpPr txBox="1"/>
+          <p:nvPr/>
+        </p:nvSpPr>
+        <p:spPr>
+          <a:xfrm>
+            <a:off x="190807" y="3860384"/>
+            <a:ext cx="2917402" cy="523220"/>
+          </a:xfrm>
+          <a:prstGeom prst="rect">
+            <a:avLst/>
+          </a:prstGeom>
+          <a:noFill/>
+        </p:spPr>
+        <p:txBody>
+          <a:bodyPr wrap="none" rtlCol="0">
+            <a:spAutoFit/>
+          </a:bodyPr>
+          <a:lstStyle/>
+          <a:p>
+            <a:r>
+              <a:rPr lang="en-US" sz="1400" b="1" dirty="0" smtClean="0"/>
+              <a:t>Click in a cell and select from the</a:t>
+            </a:r>
+          </a:p>
+          <a:p>
+            <a:r>
+              <a:rPr lang="en-US" sz="1400" b="1" dirty="0" smtClean="0"/>
+              <a:t>Menu: Cell -&gt; Cell Type -&gt; Markdown</a:t>
+            </a:r>
+          </a:p>
+        </p:txBody>
+      </p:sp>
+      <p:cxnSp>
+        <p:nvCxnSpPr>
+          <p:cNvPr id="12" name="Straight Arrow Connector 11"/>
+          <p:cNvCxnSpPr/>
+          <p:nvPr/>
+        </p:nvCxnSpPr>
+        <p:spPr>
+          <a:xfrm flipV="1">
+            <a:off x="2819400" y="3733800"/>
+            <a:ext cx="2438400" cy="382508"/>
+          </a:xfrm>
+          <a:prstGeom prst="straightConnector1">
+            <a:avLst/>
+          </a:prstGeom>
+          <a:ln w="19050">
+            <a:solidFill>
+              <a:schemeClr val="tx1"/>
+            </a:solidFill>
+            <a:tailEnd type="arrow"/>
+          </a:ln>
+        </p:spPr>
+        <p:style>
+          <a:lnRef idx="1">
+            <a:schemeClr val="accent1"/>
+          </a:lnRef>
+          <a:fillRef idx="0">
+            <a:schemeClr val="accent1"/>
+          </a:fillRef>
+          <a:effectRef idx="0">
+            <a:schemeClr val="accent1"/>
+          </a:effectRef>
+          <a:fontRef idx="minor">
+            <a:schemeClr val="tx1"/>
+          </a:fontRef>
+        </p:style>
+      </p:cxnSp>
+      <p:cxnSp>
+        <p:nvCxnSpPr>
+          <p:cNvPr id="14" name="Straight Arrow Connector 13"/>
+          <p:cNvCxnSpPr/>
+          <p:nvPr/>
+        </p:nvCxnSpPr>
+        <p:spPr>
+          <a:xfrm>
+            <a:off x="2847833" y="4121994"/>
+            <a:ext cx="1048603" cy="625132"/>
+          </a:xfrm>
+          <a:prstGeom prst="straightConnector1">
+            <a:avLst/>
+          </a:prstGeom>
+          <a:ln w="19050">
+            <a:solidFill>
+              <a:schemeClr val="tx1"/>
+            </a:solidFill>
+            <a:tailEnd type="arrow"/>
+          </a:ln>
+        </p:spPr>
+        <p:style>
+          <a:lnRef idx="1">
+            <a:schemeClr val="accent1"/>
+          </a:lnRef>
+          <a:fillRef idx="0">
+            <a:schemeClr val="accent1"/>
+          </a:fillRef>
+          <a:effectRef idx="0">
+            <a:schemeClr val="accent1"/>
+          </a:effectRef>
+          <a:fontRef idx="minor">
+            <a:schemeClr val="tx1"/>
+          </a:fontRef>
+        </p:style>
+      </p:cxnSp>
+    </p:spTree>
+    <p:extLst>
+      <p:ext uri="{BB962C8B-B14F-4D97-AF65-F5344CB8AC3E}">
+        <p14:creationId xmlns:p14="http://schemas.microsoft.com/office/powerpoint/2010/main" val="1340650010"/>
       </p:ext>
     </p:extLst>
   </p:cSld>
